--- a/DIARIO DI BORDO/DB-01-12-25.pptx
+++ b/DIARIO DI BORDO/DB-01-12-25.pptx
@@ -4457,9 +4457,9 @@
         <p:grpSpPr>
           <a:xfrm>
             <a:off x="207205" y="186979"/>
-            <a:ext cx="19668373" cy="4223472"/>
+            <a:ext cx="19668373" cy="5008302"/>
             <a:chOff x="0" y="-16005"/>
-            <a:chExt cx="26224497" cy="5631295"/>
+            <a:chExt cx="26224497" cy="6677735"/>
           </a:xfrm>
         </p:grpSpPr>
         <p:sp>
@@ -4471,7 +4471,7 @@
           <p:spPr>
             <a:xfrm>
               <a:off x="638127" y="3646289"/>
-              <a:ext cx="20145326" cy="1969001"/>
+              <a:ext cx="20145326" cy="3015441"/>
             </a:xfrm>
             <a:prstGeom prst="rect">
               <a:avLst/>
@@ -4523,6 +4523,48 @@
                 </a:rPr>
                 <a:t>Quando definire requisiti del PoC e dove?</a:t>
               </a:r>
+            </a:p>
+            <a:p>
+              <a:pPr marL="988744" lvl="1" indent="-571500" algn="l">
+                <a:lnSpc>
+                  <a:spcPct val="150000"/>
+                </a:lnSpc>
+                <a:buFont typeface="Wingdings" panose="05000000000000000000" pitchFamily="2" charset="2"/>
+                <a:buChar char="Ø"/>
+              </a:pPr>
+              <a:r>
+                <a:rPr lang="it-IT" sz="3400" dirty="0">
+                  <a:solidFill>
+                    <a:srgbClr val="000000"/>
+                  </a:solidFill>
+                  <a:latin typeface="Overpass"/>
+                  <a:ea typeface="Overpass"/>
+                  <a:cs typeface="Arial" panose="020B0604020202020204" pitchFamily="34" charset="0"/>
+                  <a:sym typeface="Overpass"/>
+                </a:rPr>
+                <a:t>Chi redige il verbale? Un </a:t>
+              </a:r>
+              <a:r>
+                <a:rPr lang="it-IT" sz="3400">
+                  <a:solidFill>
+                    <a:srgbClr val="000000"/>
+                  </a:solidFill>
+                  <a:latin typeface="Overpass"/>
+                  <a:ea typeface="Overpass"/>
+                  <a:cs typeface="Arial" panose="020B0604020202020204" pitchFamily="34" charset="0"/>
+                  <a:sym typeface="Overpass"/>
+                </a:rPr>
+                <a:t>ruolo preciso?</a:t>
+              </a:r>
+              <a:endParaRPr lang="it-IT" sz="3400" dirty="0">
+                <a:solidFill>
+                  <a:srgbClr val="000000"/>
+                </a:solidFill>
+                <a:latin typeface="Overpass"/>
+                <a:ea typeface="Overpass"/>
+                <a:cs typeface="Arial" panose="020B0604020202020204" pitchFamily="34" charset="0"/>
+                <a:sym typeface="Overpass"/>
+              </a:endParaRPr>
             </a:p>
           </p:txBody>
         </p:sp>

--- a/DIARIO DI BORDO/DB-01-12-25.pptx
+++ b/DIARIO DI BORDO/DB-01-12-25.pptx
@@ -4227,18 +4227,6 @@
                 </a:lnSpc>
               </a:pPr>
               <a:r>
-                <a:rPr lang="it-IT" sz="10000" b="1" noProof="0">
-                  <a:solidFill>
-                    <a:srgbClr val="000000"/>
-                  </a:solidFill>
-                  <a:latin typeface="Goudy" panose="020B0604020202020204" charset="0"/>
-                  <a:ea typeface="Fredoka"/>
-                  <a:cs typeface="Fredoka"/>
-                  <a:sym typeface="Fredoka"/>
-                </a:rPr>
-                <a:t>DIFFICOLTÀ </a:t>
-              </a:r>
-              <a:r>
                 <a:rPr lang="it-IT" sz="10000" b="1" noProof="0" dirty="0">
                   <a:solidFill>
                     <a:srgbClr val="000000"/>
@@ -4248,7 +4236,7 @@
                   <a:cs typeface="Fredoka"/>
                   <a:sym typeface="Fredoka"/>
                 </a:rPr>
-                <a:t>INCONTRATE</a:t>
+                <a:t>DIFFICOLTÀ INCONTRATE</a:t>
               </a:r>
             </a:p>
           </p:txBody>
@@ -4269,7 +4257,7 @@
         <p:spPr>
           <a:xfrm>
             <a:off x="533400" y="2546569"/>
-            <a:ext cx="15773400" cy="3842206"/>
+            <a:ext cx="15773400" cy="4989764"/>
           </a:xfrm>
           <a:prstGeom prst="rect">
             <a:avLst/>
@@ -4282,7 +4270,7 @@
           </a:bodyPr>
           <a:lstStyle/>
           <a:p>
-            <a:pPr marL="587428" lvl="1" indent="-342900" algn="l">
+            <a:pPr marL="587428" lvl="1" indent="-342900">
               <a:lnSpc>
                 <a:spcPct val="150000"/>
               </a:lnSpc>
@@ -4299,11 +4287,52 @@
                 <a:cs typeface="Arial" panose="020B0604020202020204" pitchFamily="34" charset="0"/>
                 <a:sym typeface="Overpass"/>
               </a:rPr>
-              <a:t> Difficoltà nel capire il confine tra l’applicazione Nexum e la nostra applicazione stand-alone (uso di mock).</a:t>
-            </a:r>
-          </a:p>
-          <a:p>
-            <a:pPr marL="587428" lvl="1" indent="-342900" algn="l">
+              <a:t> </a:t>
+            </a:r>
+            <a:r>
+              <a:rPr lang="it-IT" sz="3600" b="1" dirty="0"/>
+              <a:t>Integrazione con </a:t>
+            </a:r>
+            <a:r>
+              <a:rPr lang="it-IT" sz="3600" b="1" dirty="0" err="1"/>
+              <a:t>Nexum</a:t>
+            </a:r>
+            <a:r>
+              <a:rPr lang="it-IT" sz="3600" b="1" dirty="0"/>
+              <a:t>:</a:t>
+            </a:r>
+            <a:r>
+              <a:rPr lang="it-IT" sz="3600" dirty="0"/>
+              <a:t> È stato complesso definire e mantenere un confine chiaro tra l'applicazione </a:t>
+            </a:r>
+            <a:r>
+              <a:rPr lang="it-IT" sz="3600" dirty="0" err="1"/>
+              <a:t>Nexum</a:t>
+            </a:r>
+            <a:r>
+              <a:rPr lang="it-IT" sz="3600" dirty="0"/>
+              <a:t> e la nostra applicazione stand-alone, particolarmente quando si utilizzano i </a:t>
+            </a:r>
+            <a:r>
+              <a:rPr lang="it-IT" sz="3600" dirty="0" err="1"/>
+              <a:t>mock</a:t>
+            </a:r>
+            <a:r>
+              <a:rPr lang="it-IT" sz="3600" dirty="0"/>
+              <a:t>.</a:t>
+            </a:r>
+            <a:endParaRPr lang="it-IT" sz="3400" dirty="0">
+              <a:solidFill>
+                <a:srgbClr val="000000"/>
+              </a:solidFill>
+              <a:latin typeface="Overpass"/>
+              <a:ea typeface="Overpass"/>
+              <a:cs typeface="Arial" panose="020B0604020202020204" pitchFamily="34" charset="0"/>
+              <a:sym typeface="Overpass"/>
+            </a:endParaRPr>
+          </a:p>
+          <a:p>
+            <a:pPr marL="587428" lvl="1" indent="-342900">
               <a:lnSpc>
                 <a:spcPct val="150000"/>
               </a:lnSpc>
@@ -4319,34 +4348,24 @@
                 <a:cs typeface="Arial" panose="020B0604020202020204" pitchFamily="34" charset="0"/>
                 <a:sym typeface="Overpass"/>
               </a:rPr>
-              <a:t> Poca produttività rispetto alle aspettative.</a:t>
-            </a:r>
-          </a:p>
-          <a:p>
-            <a:pPr marL="587428" lvl="1" indent="-342900" algn="l">
-              <a:lnSpc>
-                <a:spcPct val="150000"/>
-              </a:lnSpc>
-              <a:buFont typeface="Wingdings" panose="05000000000000000000" pitchFamily="2" charset="2"/>
-              <a:buChar char="Ø"/>
-            </a:pPr>
-            <a:endParaRPr lang="it-IT" sz="3400" dirty="0">
-              <a:solidFill>
-                <a:srgbClr val="000000"/>
-              </a:solidFill>
-              <a:latin typeface="Overpass"/>
-              <a:cs typeface="Arial" panose="020B0604020202020204" pitchFamily="34" charset="0"/>
-              <a:sym typeface="Overpass"/>
-            </a:endParaRPr>
-          </a:p>
-          <a:p>
-            <a:pPr marL="587428" lvl="1" indent="-342900" algn="l">
-              <a:lnSpc>
-                <a:spcPct val="150000"/>
-              </a:lnSpc>
-              <a:buFont typeface="Wingdings" panose="05000000000000000000" pitchFamily="2" charset="2"/>
-              <a:buChar char="Ø"/>
-            </a:pPr>
+              <a:t> </a:t>
+            </a:r>
+            <a:r>
+              <a:rPr lang="it-IT" sz="3600" b="1" dirty="0"/>
+              <a:t>Produttività sotto le aspettative:</a:t>
+            </a:r>
+            <a:r>
+              <a:rPr lang="it-IT" sz="3600" dirty="0"/>
+              <a:t> il ritmo di sviluppo è stato più lento del previsto a causa di diverse incertezze/</a:t>
+            </a:r>
+            <a:r>
+              <a:rPr lang="it-IT" sz="3600"/>
+              <a:t>dubbi progettuali </a:t>
+            </a:r>
+            <a:r>
+              <a:rPr lang="it-IT" sz="3600" dirty="0"/>
+              <a:t>e dei diversi impegni dei membri del team.</a:t>
+            </a:r>
             <a:endParaRPr lang="it-IT" sz="3000" noProof="0" dirty="0">
               <a:solidFill>
                 <a:srgbClr val="000000"/>
@@ -4457,9 +4476,9 @@
         <p:grpSpPr>
           <a:xfrm>
             <a:off x="207205" y="186979"/>
-            <a:ext cx="19668373" cy="5008302"/>
+            <a:ext cx="19668373" cy="5984852"/>
             <a:chOff x="0" y="-16005"/>
-            <a:chExt cx="26224497" cy="6677735"/>
+            <a:chExt cx="26224497" cy="7979801"/>
           </a:xfrm>
         </p:grpSpPr>
         <p:sp>
@@ -4471,7 +4490,7 @@
           <p:spPr>
             <a:xfrm>
               <a:off x="638127" y="3646289"/>
-              <a:ext cx="20145326" cy="3015441"/>
+              <a:ext cx="20145326" cy="4317507"/>
             </a:xfrm>
             <a:prstGeom prst="rect">
               <a:avLst/>
@@ -4483,13 +4502,47 @@
             </a:bodyPr>
             <a:lstStyle/>
             <a:p>
-              <a:pPr marL="988744" lvl="1" indent="-571500" algn="l">
+              <a:pPr marL="988744" lvl="1" indent="-571500">
                 <a:lnSpc>
                   <a:spcPct val="150000"/>
                 </a:lnSpc>
                 <a:buFont typeface="Wingdings" panose="05000000000000000000" pitchFamily="2" charset="2"/>
                 <a:buChar char="Ø"/>
               </a:pPr>
+              <a:r>
+                <a:rPr lang="it-IT" sz="3600" dirty="0"/>
+                <a:t>Qual è il ruolo specifico incaricato della redazione dei verbali? Chi è incaricato della loro successiva verifica e approvazione?</a:t>
+              </a:r>
+              <a:endParaRPr lang="it-IT" sz="3400" dirty="0">
+                <a:solidFill>
+                  <a:srgbClr val="000000"/>
+                </a:solidFill>
+                <a:latin typeface="Overpass"/>
+                <a:ea typeface="Overpass"/>
+                <a:cs typeface="Arial" panose="020B0604020202020204" pitchFamily="34" charset="0"/>
+                <a:sym typeface="Overpass"/>
+              </a:endParaRPr>
+            </a:p>
+            <a:p>
+              <a:pPr marL="988744" lvl="1" indent="-571500">
+                <a:lnSpc>
+                  <a:spcPct val="150000"/>
+                </a:lnSpc>
+                <a:buFont typeface="Wingdings" panose="05000000000000000000" pitchFamily="2" charset="2"/>
+                <a:buChar char="Ø"/>
+              </a:pPr>
+              <a:r>
+                <a:rPr lang="it-IT" sz="3600" dirty="0"/>
+                <a:t>In quale fase progettuale vanno definiti i requisiti del </a:t>
+              </a:r>
+              <a:r>
+                <a:rPr lang="it-IT" sz="3600" dirty="0" err="1"/>
+                <a:t>Proof</a:t>
+              </a:r>
+              <a:r>
+                <a:rPr lang="it-IT" sz="3600" dirty="0"/>
+                <a:t> of Concept e dove vanno definiti</a:t>
+              </a:r>
               <a:r>
                 <a:rPr lang="it-IT" sz="3400" dirty="0">
                   <a:solidFill>
@@ -4500,71 +4553,8 @@
                   <a:cs typeface="Arial" panose="020B0604020202020204" pitchFamily="34" charset="0"/>
                   <a:sym typeface="Overpass"/>
                 </a:rPr>
-                <a:t>Se i verbali vengono scritti dal responsabile chi li verifica/approva?</a:t>
+                <a:t>?</a:t>
               </a:r>
-            </a:p>
-            <a:p>
-              <a:pPr marL="988744" lvl="1" indent="-571500" algn="l">
-                <a:lnSpc>
-                  <a:spcPct val="150000"/>
-                </a:lnSpc>
-                <a:buFont typeface="Wingdings" panose="05000000000000000000" pitchFamily="2" charset="2"/>
-                <a:buChar char="Ø"/>
-              </a:pPr>
-              <a:r>
-                <a:rPr lang="it-IT" sz="3400" dirty="0">
-                  <a:solidFill>
-                    <a:srgbClr val="000000"/>
-                  </a:solidFill>
-                  <a:latin typeface="Overpass"/>
-                  <a:ea typeface="Overpass"/>
-                  <a:cs typeface="Arial" panose="020B0604020202020204" pitchFamily="34" charset="0"/>
-                  <a:sym typeface="Overpass"/>
-                </a:rPr>
-                <a:t>Quando definire requisiti del PoC e dove?</a:t>
-              </a:r>
-            </a:p>
-            <a:p>
-              <a:pPr marL="988744" lvl="1" indent="-571500" algn="l">
-                <a:lnSpc>
-                  <a:spcPct val="150000"/>
-                </a:lnSpc>
-                <a:buFont typeface="Wingdings" panose="05000000000000000000" pitchFamily="2" charset="2"/>
-                <a:buChar char="Ø"/>
-              </a:pPr>
-              <a:r>
-                <a:rPr lang="it-IT" sz="3400" dirty="0">
-                  <a:solidFill>
-                    <a:srgbClr val="000000"/>
-                  </a:solidFill>
-                  <a:latin typeface="Overpass"/>
-                  <a:ea typeface="Overpass"/>
-                  <a:cs typeface="Arial" panose="020B0604020202020204" pitchFamily="34" charset="0"/>
-                  <a:sym typeface="Overpass"/>
-                </a:rPr>
-                <a:t>Chi redige il verbale? Un </a:t>
-              </a:r>
-              <a:r>
-                <a:rPr lang="it-IT" sz="3400">
-                  <a:solidFill>
-                    <a:srgbClr val="000000"/>
-                  </a:solidFill>
-                  <a:latin typeface="Overpass"/>
-                  <a:ea typeface="Overpass"/>
-                  <a:cs typeface="Arial" panose="020B0604020202020204" pitchFamily="34" charset="0"/>
-                  <a:sym typeface="Overpass"/>
-                </a:rPr>
-                <a:t>ruolo preciso?</a:t>
-              </a:r>
-              <a:endParaRPr lang="it-IT" sz="3400" dirty="0">
-                <a:solidFill>
-                  <a:srgbClr val="000000"/>
-                </a:solidFill>
-                <a:latin typeface="Overpass"/>
-                <a:ea typeface="Overpass"/>
-                <a:cs typeface="Arial" panose="020B0604020202020204" pitchFamily="34" charset="0"/>
-                <a:sym typeface="Overpass"/>
-              </a:endParaRPr>
             </a:p>
           </p:txBody>
         </p:sp>

--- a/DIARIO DI BORDO/DB-01-12-25.pptx
+++ b/DIARIO DI BORDO/DB-01-12-25.pptx
@@ -232,7 +232,7 @@
           <a:p>
             <a:fld id="{DC233B30-4F8C-4A4C-AB5E-3B02323E36F5}" type="datetimeFigureOut">
               <a:rPr lang="it-IT" smtClean="0"/>
-              <a:t>27/11/2025</a:t>
+              <a:t>01/12/2025</a:t>
             </a:fld>
             <a:endParaRPr lang="it-IT"/>
           </a:p>
@@ -770,7 +770,7 @@
             <a:fld id="{1D8BD707-D9CF-40AE-B4C6-C98DA3205C09}" type="datetimeFigureOut">
               <a:rPr lang="en-US" smtClean="0"/>
               <a:pPr/>
-              <a:t>11/27/2025</a:t>
+              <a:t>12/1/2025</a:t>
             </a:fld>
             <a:endParaRPr lang="en-US"/>
           </a:p>
@@ -935,7 +935,7 @@
             <a:fld id="{1D8BD707-D9CF-40AE-B4C6-C98DA3205C09}" type="datetimeFigureOut">
               <a:rPr lang="en-US" smtClean="0"/>
               <a:pPr/>
-              <a:t>11/27/2025</a:t>
+              <a:t>12/1/2025</a:t>
             </a:fld>
             <a:endParaRPr lang="en-US"/>
           </a:p>
@@ -1110,7 +1110,7 @@
             <a:fld id="{1D8BD707-D9CF-40AE-B4C6-C98DA3205C09}" type="datetimeFigureOut">
               <a:rPr lang="en-US" smtClean="0"/>
               <a:pPr/>
-              <a:t>11/27/2025</a:t>
+              <a:t>12/1/2025</a:t>
             </a:fld>
             <a:endParaRPr lang="en-US"/>
           </a:p>
@@ -1275,7 +1275,7 @@
             <a:fld id="{1D8BD707-D9CF-40AE-B4C6-C98DA3205C09}" type="datetimeFigureOut">
               <a:rPr lang="en-US" smtClean="0"/>
               <a:pPr/>
-              <a:t>11/27/2025</a:t>
+              <a:t>12/1/2025</a:t>
             </a:fld>
             <a:endParaRPr lang="en-US"/>
           </a:p>
@@ -1517,7 +1517,7 @@
             <a:fld id="{1D8BD707-D9CF-40AE-B4C6-C98DA3205C09}" type="datetimeFigureOut">
               <a:rPr lang="en-US" smtClean="0"/>
               <a:pPr/>
-              <a:t>11/27/2025</a:t>
+              <a:t>12/1/2025</a:t>
             </a:fld>
             <a:endParaRPr lang="en-US"/>
           </a:p>
@@ -1799,7 +1799,7 @@
             <a:fld id="{1D8BD707-D9CF-40AE-B4C6-C98DA3205C09}" type="datetimeFigureOut">
               <a:rPr lang="en-US" smtClean="0"/>
               <a:pPr/>
-              <a:t>11/27/2025</a:t>
+              <a:t>12/1/2025</a:t>
             </a:fld>
             <a:endParaRPr lang="en-US"/>
           </a:p>
@@ -2215,7 +2215,7 @@
             <a:fld id="{1D8BD707-D9CF-40AE-B4C6-C98DA3205C09}" type="datetimeFigureOut">
               <a:rPr lang="en-US" smtClean="0"/>
               <a:pPr/>
-              <a:t>11/27/2025</a:t>
+              <a:t>12/1/2025</a:t>
             </a:fld>
             <a:endParaRPr lang="en-US"/>
           </a:p>
@@ -2329,7 +2329,7 @@
             <a:fld id="{1D8BD707-D9CF-40AE-B4C6-C98DA3205C09}" type="datetimeFigureOut">
               <a:rPr lang="en-US" smtClean="0"/>
               <a:pPr/>
-              <a:t>11/27/2025</a:t>
+              <a:t>12/1/2025</a:t>
             </a:fld>
             <a:endParaRPr lang="en-US"/>
           </a:p>
@@ -2421,7 +2421,7 @@
             <a:fld id="{1D8BD707-D9CF-40AE-B4C6-C98DA3205C09}" type="datetimeFigureOut">
               <a:rPr lang="en-US" smtClean="0"/>
               <a:pPr/>
-              <a:t>11/27/2025</a:t>
+              <a:t>12/1/2025</a:t>
             </a:fld>
             <a:endParaRPr lang="en-US"/>
           </a:p>
@@ -2693,7 +2693,7 @@
             <a:fld id="{1D8BD707-D9CF-40AE-B4C6-C98DA3205C09}" type="datetimeFigureOut">
               <a:rPr lang="en-US" smtClean="0"/>
               <a:pPr/>
-              <a:t>11/27/2025</a:t>
+              <a:t>12/1/2025</a:t>
             </a:fld>
             <a:endParaRPr lang="en-US"/>
           </a:p>
@@ -2942,7 +2942,7 @@
             <a:fld id="{1D8BD707-D9CF-40AE-B4C6-C98DA3205C09}" type="datetimeFigureOut">
               <a:rPr lang="en-US" smtClean="0"/>
               <a:pPr/>
-              <a:t>11/27/2025</a:t>
+              <a:t>12/1/2025</a:t>
             </a:fld>
             <a:endParaRPr lang="en-US"/>
           </a:p>
@@ -3150,7 +3150,7 @@
             <a:fld id="{1D8BD707-D9CF-40AE-B4C6-C98DA3205C09}" type="datetimeFigureOut">
               <a:rPr lang="en-US" smtClean="0"/>
               <a:pPr/>
-              <a:t>11/27/2025</a:t>
+              <a:t>12/1/2025</a:t>
             </a:fld>
             <a:endParaRPr lang="en-US"/>
           </a:p>
@@ -4511,7 +4511,7 @@
               </a:pPr>
               <a:r>
                 <a:rPr lang="it-IT" sz="3600" dirty="0"/>
-                <a:t>Qual è il ruolo specifico incaricato della redazione dei verbali? Chi è incaricato della loro successiva verifica e approvazione?</a:t>
+                <a:t>Se il ruolo incaricato della stesura dei verbali è il responsabile, chi è incaricato della loro successiva verifica e approvazione?</a:t>
               </a:r>
               <a:endParaRPr lang="it-IT" sz="3400" dirty="0">
                 <a:solidFill>
